--- a/Docs/RA-Overview.pptx
+++ b/Docs/RA-Overview.pptx
@@ -146,8 +146,8 @@
 <pc:chgInfo xmlns:a="http://schemas.openxmlformats.org/drawingml/2006/main" xmlns:r="http://schemas.openxmlformats.org/officeDocument/2006/relationships" xmlns:ac="http://schemas.microsoft.com/office/drawing/2013/main/command" xmlns:pc="http://schemas.microsoft.com/office/powerpoint/2013/main/command">
   <pc:docChgLst>
     <pc:chgData name="Nicolas Kirrmann" userId="82063de6-9c6f-4790-b8fa-98feff280277" providerId="ADAL" clId="{69C4B95F-EFC9-4E06-B82B-CA39EADB1E80}"/>
-    <pc:docChg chg="delSld sldOrd delSection modSection">
-      <pc:chgData name="Nicolas Kirrmann" userId="82063de6-9c6f-4790-b8fa-98feff280277" providerId="ADAL" clId="{69C4B95F-EFC9-4E06-B82B-CA39EADB1E80}" dt="2023-10-12T12:05:14.571" v="10" actId="47"/>
+    <pc:docChg chg="custSel delSld modSld sldOrd delSection modSection">
+      <pc:chgData name="Nicolas Kirrmann" userId="82063de6-9c6f-4790-b8fa-98feff280277" providerId="ADAL" clId="{69C4B95F-EFC9-4E06-B82B-CA39EADB1E80}" dt="2023-10-19T06:56:42.293" v="101" actId="20577"/>
       <pc:docMkLst>
         <pc:docMk/>
       </pc:docMkLst>
@@ -157,6 +157,21 @@
           <pc:docMk/>
           <pc:sldMk cId="2935544358" sldId="2147478729"/>
         </pc:sldMkLst>
+      </pc:sldChg>
+      <pc:sldChg chg="modSp mod">
+        <pc:chgData name="Nicolas Kirrmann" userId="82063de6-9c6f-4790-b8fa-98feff280277" providerId="ADAL" clId="{69C4B95F-EFC9-4E06-B82B-CA39EADB1E80}" dt="2023-10-19T06:56:42.293" v="101" actId="20577"/>
+        <pc:sldMkLst>
+          <pc:docMk/>
+          <pc:sldMk cId="4260377684" sldId="2147478772"/>
+        </pc:sldMkLst>
+        <pc:spChg chg="mod">
+          <ac:chgData name="Nicolas Kirrmann" userId="82063de6-9c6f-4790-b8fa-98feff280277" providerId="ADAL" clId="{69C4B95F-EFC9-4E06-B82B-CA39EADB1E80}" dt="2023-10-19T06:56:42.293" v="101" actId="20577"/>
+          <ac:spMkLst>
+            <pc:docMk/>
+            <pc:sldMk cId="4260377684" sldId="2147478772"/>
+            <ac:spMk id="6" creationId="{4DCE1FE4-805F-EFEF-98C6-A0DFB77D60E8}"/>
+          </ac:spMkLst>
+        </pc:spChg>
       </pc:sldChg>
       <pc:sldChg chg="del">
         <pc:chgData name="Nicolas Kirrmann" userId="82063de6-9c6f-4790-b8fa-98feff280277" providerId="ADAL" clId="{69C4B95F-EFC9-4E06-B82B-CA39EADB1E80}" dt="2023-10-12T12:04:35.098" v="0" actId="2696"/>
@@ -3414,7 +3429,7 @@
           <a:p>
             <a:fld id="{75EDFE92-48B5-4321-930D-D4E4AEB6B910}" type="datetimeFigureOut">
               <a:rPr lang="en-GB" smtClean="0"/>
-              <a:t>12/10/2023</a:t>
+              <a:t>19/10/2023</a:t>
             </a:fld>
             <a:endParaRPr lang="en-GB"/>
           </a:p>
@@ -4486,7 +4501,7 @@
           <a:p>
             <a:fld id="{E99DF397-30FC-4E38-9C16-8682FB34773D}" type="datetime1">
               <a:rPr lang="en-GB" smtClean="0"/>
-              <a:t>12/10/2023</a:t>
+              <a:t>19/10/2023</a:t>
             </a:fld>
             <a:endParaRPr lang="en-GB"/>
           </a:p>
@@ -4654,7 +4669,7 @@
           <a:p>
             <a:fld id="{4775BEEB-572D-4CEA-AA7D-A1A52BEF88E5}" type="datetime1">
               <a:rPr lang="en-GB" smtClean="0"/>
-              <a:t>12/10/2023</a:t>
+              <a:t>19/10/2023</a:t>
             </a:fld>
             <a:endParaRPr lang="en-GB"/>
           </a:p>
@@ -4832,7 +4847,7 @@
           <a:p>
             <a:fld id="{AD80C97A-A3BD-4951-8115-7851477C6286}" type="datetime1">
               <a:rPr lang="en-GB" smtClean="0"/>
-              <a:t>12/10/2023</a:t>
+              <a:t>19/10/2023</a:t>
             </a:fld>
             <a:endParaRPr lang="en-GB"/>
           </a:p>
@@ -5000,7 +5015,7 @@
           <a:p>
             <a:fld id="{E8D6B988-EB24-4F13-AA2F-DF6BABE54D73}" type="datetime1">
               <a:rPr lang="en-GB" smtClean="0"/>
-              <a:t>12/10/2023</a:t>
+              <a:t>19/10/2023</a:t>
             </a:fld>
             <a:endParaRPr lang="en-GB"/>
           </a:p>
@@ -5245,7 +5260,7 @@
           <a:p>
             <a:fld id="{4EB9F35B-8F38-4D9B-B2F6-0E2453AEACBA}" type="datetime1">
               <a:rPr lang="en-GB" smtClean="0"/>
-              <a:t>12/10/2023</a:t>
+              <a:t>19/10/2023</a:t>
             </a:fld>
             <a:endParaRPr lang="en-GB"/>
           </a:p>
@@ -5474,7 +5489,7 @@
           <a:p>
             <a:fld id="{6D66A7D8-AEFA-4832-8D4C-9B812E6298C1}" type="datetime1">
               <a:rPr lang="en-GB" smtClean="0"/>
-              <a:t>12/10/2023</a:t>
+              <a:t>19/10/2023</a:t>
             </a:fld>
             <a:endParaRPr lang="en-GB"/>
           </a:p>
@@ -5838,7 +5853,7 @@
           <a:p>
             <a:fld id="{C00B5C87-3B8E-47D3-B1FD-20AE58AEA901}" type="datetime1">
               <a:rPr lang="en-GB" smtClean="0"/>
-              <a:t>12/10/2023</a:t>
+              <a:t>19/10/2023</a:t>
             </a:fld>
             <a:endParaRPr lang="en-GB"/>
           </a:p>
@@ -5955,7 +5970,7 @@
           <a:p>
             <a:fld id="{EF958735-133D-4A9C-BC39-501D5B9AB523}" type="datetime1">
               <a:rPr lang="en-GB" smtClean="0"/>
-              <a:t>12/10/2023</a:t>
+              <a:t>19/10/2023</a:t>
             </a:fld>
             <a:endParaRPr lang="en-GB"/>
           </a:p>
@@ -6050,7 +6065,7 @@
           <a:p>
             <a:fld id="{35CF3542-0655-4F9A-A6D2-CF6F95B3FF16}" type="datetime1">
               <a:rPr lang="en-GB" smtClean="0"/>
-              <a:t>12/10/2023</a:t>
+              <a:t>19/10/2023</a:t>
             </a:fld>
             <a:endParaRPr lang="en-GB"/>
           </a:p>
@@ -6325,7 +6340,7 @@
           <a:p>
             <a:fld id="{C35A84DD-669C-45F9-88E5-0D5CC14F0E78}" type="datetime1">
               <a:rPr lang="en-GB" smtClean="0"/>
-              <a:t>12/10/2023</a:t>
+              <a:t>19/10/2023</a:t>
             </a:fld>
             <a:endParaRPr lang="en-GB"/>
           </a:p>
@@ -6580,7 +6595,7 @@
           <a:p>
             <a:fld id="{99672BCC-3E51-46D4-8C36-2AE7A75829B6}" type="datetime1">
               <a:rPr lang="en-GB" smtClean="0"/>
-              <a:t>12/10/2023</a:t>
+              <a:t>19/10/2023</a:t>
             </a:fld>
             <a:endParaRPr lang="en-GB"/>
           </a:p>
@@ -6791,7 +6806,7 @@
           <a:p>
             <a:fld id="{7C83D117-2477-4F0F-BA83-180A9B76E706}" type="datetime1">
               <a:rPr lang="en-GB" smtClean="0"/>
-              <a:t>12/10/2023</a:t>
+              <a:t>19/10/2023</a:t>
             </a:fld>
             <a:endParaRPr lang="en-GB"/>
           </a:p>
@@ -13010,7 +13025,7 @@
         <p:spPr>
           <a:xfrm>
             <a:off x="8764197" y="1795246"/>
-            <a:ext cx="2895600" cy="2308324"/>
+            <a:ext cx="2895600" cy="3416320"/>
           </a:xfrm>
           <a:prstGeom prst="rect">
             <a:avLst/>
@@ -13059,8 +13074,13 @@
             </a:pPr>
             <a:r>
               <a:rPr lang="en-GB" dirty="0"/>
-              <a:t>HTTP with A</a:t>
-            </a:r>
+              <a:t>HTTP with AD Connector allowed in the environment where the Request Analyzer </a:t>
+            </a:r>
+            <a:r>
+              <a:rPr lang="en-GB"/>
+              <a:t>is installed</a:t>
+            </a:r>
+            <a:endParaRPr lang="en-GB" dirty="0"/>
           </a:p>
         </p:txBody>
       </p:sp>
@@ -13640,11 +13660,7 @@
 
 <file path=customXml/item1.xml><?xml version="1.0" encoding="utf-8"?>
 <?mso-contentType ?>
-<FormTemplates xmlns="http://schemas.microsoft.com/sharepoint/v3/contenttype/forms">
-  <Display>DocumentLibraryForm</Display>
-  <Edit>DocumentLibraryForm</Edit>
-  <New>DocumentLibraryForm</New>
-</FormTemplates>
+<SharedContentType xmlns="Microsoft.SharePoint.Taxonomy.ContentTypeSync" SourceId="c52eb4dc-0ef3-4aa8-8e03-025dbf6c8637" ContentTypeId="0x0101" PreviousValue="false"/>
 </file>
 
 <file path=customXml/item2.xml><?xml version="1.0" encoding="utf-8"?>
@@ -13872,7 +13888,11 @@
 
 <file path=customXml/item3.xml><?xml version="1.0" encoding="utf-8"?>
 <?mso-contentType ?>
-<SharedContentType xmlns="Microsoft.SharePoint.Taxonomy.ContentTypeSync" SourceId="c52eb4dc-0ef3-4aa8-8e03-025dbf6c8637" ContentTypeId="0x0101" PreviousValue="false"/>
+<FormTemplates xmlns="http://schemas.microsoft.com/sharepoint/v3/contenttype/forms">
+  <Display>DocumentLibraryForm</Display>
+  <Edit>DocumentLibraryForm</Edit>
+  <New>DocumentLibraryForm</New>
+</FormTemplates>
 </file>
 
 <file path=customXml/item4.xml><?xml version="1.0" encoding="utf-8"?>
@@ -13887,9 +13907,9 @@
 </file>
 
 <file path=customXml/itemProps1.xml><?xml version="1.0" encoding="utf-8"?>
-<ds:datastoreItem xmlns:ds="http://schemas.openxmlformats.org/officeDocument/2006/customXml" ds:itemID="{E60E9F8E-754E-44A6-9EA6-237068D4443B}">
+<ds:datastoreItem xmlns:ds="http://schemas.openxmlformats.org/officeDocument/2006/customXml" ds:itemID="{0A62DCFB-4A3A-408B-B09C-A9594B58278F}">
   <ds:schemaRefs>
-    <ds:schemaRef ds:uri="http://schemas.microsoft.com/sharepoint/v3/contenttype/forms"/>
+    <ds:schemaRef ds:uri="Microsoft.SharePoint.Taxonomy.ContentTypeSync"/>
   </ds:schemaRefs>
 </ds:datastoreItem>
 </file>
@@ -13914,9 +13934,9 @@
 </file>
 
 <file path=customXml/itemProps3.xml><?xml version="1.0" encoding="utf-8"?>
-<ds:datastoreItem xmlns:ds="http://schemas.openxmlformats.org/officeDocument/2006/customXml" ds:itemID="{0A62DCFB-4A3A-408B-B09C-A9594B58278F}">
+<ds:datastoreItem xmlns:ds="http://schemas.openxmlformats.org/officeDocument/2006/customXml" ds:itemID="{E60E9F8E-754E-44A6-9EA6-237068D4443B}">
   <ds:schemaRefs>
-    <ds:schemaRef ds:uri="Microsoft.SharePoint.Taxonomy.ContentTypeSync"/>
+    <ds:schemaRef ds:uri="http://schemas.microsoft.com/sharepoint/v3/contenttype/forms"/>
   </ds:schemaRefs>
 </ds:datastoreItem>
 </file>

--- a/Docs/RA-Overview.pptx
+++ b/Docs/RA-Overview.pptx
@@ -5,16 +5,17 @@
     <p:sldMasterId id="2147483660" r:id="rId5"/>
   </p:sldMasterIdLst>
   <p:notesMasterIdLst>
-    <p:notesMasterId r:id="rId13"/>
+    <p:notesMasterId r:id="rId14"/>
   </p:notesMasterIdLst>
   <p:sldIdLst>
     <p:sldId id="2147478776" r:id="rId6"/>
     <p:sldId id="2147478730" r:id="rId7"/>
     <p:sldId id="2147478769" r:id="rId8"/>
     <p:sldId id="2147478771" r:id="rId9"/>
-    <p:sldId id="2147478774" r:id="rId10"/>
-    <p:sldId id="2147478770" r:id="rId11"/>
-    <p:sldId id="2147478772" r:id="rId12"/>
+    <p:sldId id="2147478777" r:id="rId10"/>
+    <p:sldId id="2147478774" r:id="rId11"/>
+    <p:sldId id="2147478770" r:id="rId12"/>
+    <p:sldId id="2147478772" r:id="rId13"/>
   </p:sldIdLst>
   <p:sldSz cx="12192000" cy="6858000"/>
   <p:notesSz cx="6858000" cy="9144000"/>
@@ -122,6 +123,7 @@
             <p14:sldId id="2147478730"/>
             <p14:sldId id="2147478769"/>
             <p14:sldId id="2147478771"/>
+            <p14:sldId id="2147478777"/>
             <p14:sldId id="2147478774"/>
             <p14:sldId id="2147478770"/>
             <p14:sldId id="2147478772"/>
@@ -142,12 +144,20 @@
 </p188:authorLst>
 </file>
 
+<file path=ppt/revisionInfo.xml><?xml version="1.0" encoding="utf-8"?>
+<p1510:revInfo xmlns:a="http://schemas.openxmlformats.org/drawingml/2006/main" xmlns:r="http://schemas.openxmlformats.org/officeDocument/2006/relationships" xmlns:p1510="http://schemas.microsoft.com/office/powerpoint/2015/10/main">
+  <p1510:revLst>
+    <p1510:client id="{69C4B95F-EFC9-4E06-B82B-CA39EADB1E80}" v="1" dt="2023-11-12T13:54:52.366"/>
+  </p1510:revLst>
+</p1510:revInfo>
+</file>
+
 <file path=ppt/changesInfos/changesInfo1.xml><?xml version="1.0" encoding="utf-8"?>
 <pc:chgInfo xmlns:a="http://schemas.openxmlformats.org/drawingml/2006/main" xmlns:r="http://schemas.openxmlformats.org/officeDocument/2006/relationships" xmlns:ac="http://schemas.microsoft.com/office/drawing/2013/main/command" xmlns:pc="http://schemas.microsoft.com/office/powerpoint/2013/main/command">
   <pc:docChgLst>
     <pc:chgData name="Nicolas Kirrmann" userId="82063de6-9c6f-4790-b8fa-98feff280277" providerId="ADAL" clId="{69C4B95F-EFC9-4E06-B82B-CA39EADB1E80}"/>
-    <pc:docChg chg="custSel delSld modSld sldOrd delSection modSection">
-      <pc:chgData name="Nicolas Kirrmann" userId="82063de6-9c6f-4790-b8fa-98feff280277" providerId="ADAL" clId="{69C4B95F-EFC9-4E06-B82B-CA39EADB1E80}" dt="2023-10-19T06:56:42.293" v="101" actId="20577"/>
+    <pc:docChg chg="undo custSel addSld delSld modSld sldOrd delSection modSection">
+      <pc:chgData name="Nicolas Kirrmann" userId="82063de6-9c6f-4790-b8fa-98feff280277" providerId="ADAL" clId="{69C4B95F-EFC9-4E06-B82B-CA39EADB1E80}" dt="2023-11-12T14:00:42.876" v="517" actId="20577"/>
       <pc:docMkLst>
         <pc:docMk/>
       </pc:docMkLst>
@@ -179,6 +189,109 @@
           <pc:docMk/>
           <pc:sldMk cId="1255215966" sldId="2147478775"/>
         </pc:sldMkLst>
+      </pc:sldChg>
+      <pc:sldChg chg="addSp delSp modSp add mod">
+        <pc:chgData name="Nicolas Kirrmann" userId="82063de6-9c6f-4790-b8fa-98feff280277" providerId="ADAL" clId="{69C4B95F-EFC9-4E06-B82B-CA39EADB1E80}" dt="2023-11-12T14:00:42.876" v="517" actId="20577"/>
+        <pc:sldMkLst>
+          <pc:docMk/>
+          <pc:sldMk cId="2533564369" sldId="2147478777"/>
+        </pc:sldMkLst>
+        <pc:spChg chg="del">
+          <ac:chgData name="Nicolas Kirrmann" userId="82063de6-9c6f-4790-b8fa-98feff280277" providerId="ADAL" clId="{69C4B95F-EFC9-4E06-B82B-CA39EADB1E80}" dt="2023-11-12T13:56:41.466" v="107" actId="478"/>
+          <ac:spMkLst>
+            <pc:docMk/>
+            <pc:sldMk cId="2533564369" sldId="2147478777"/>
+            <ac:spMk id="5" creationId="{C1588F9F-617B-A55A-EAEE-F985A5B31F75}"/>
+          </ac:spMkLst>
+        </pc:spChg>
+        <pc:spChg chg="del">
+          <ac:chgData name="Nicolas Kirrmann" userId="82063de6-9c6f-4790-b8fa-98feff280277" providerId="ADAL" clId="{69C4B95F-EFC9-4E06-B82B-CA39EADB1E80}" dt="2023-11-12T13:56:41.466" v="107" actId="478"/>
+          <ac:spMkLst>
+            <pc:docMk/>
+            <pc:sldMk cId="2533564369" sldId="2147478777"/>
+            <ac:spMk id="7" creationId="{9EFF6C9D-FA26-E00B-E052-0998F99B3AEC}"/>
+          </ac:spMkLst>
+        </pc:spChg>
+        <pc:spChg chg="del">
+          <ac:chgData name="Nicolas Kirrmann" userId="82063de6-9c6f-4790-b8fa-98feff280277" providerId="ADAL" clId="{69C4B95F-EFC9-4E06-B82B-CA39EADB1E80}" dt="2023-11-12T13:56:41.466" v="107" actId="478"/>
+          <ac:spMkLst>
+            <pc:docMk/>
+            <pc:sldMk cId="2533564369" sldId="2147478777"/>
+            <ac:spMk id="8" creationId="{7BE6ED53-9311-A927-95C9-D976A0012D90}"/>
+          </ac:spMkLst>
+        </pc:spChg>
+        <pc:spChg chg="del">
+          <ac:chgData name="Nicolas Kirrmann" userId="82063de6-9c6f-4790-b8fa-98feff280277" providerId="ADAL" clId="{69C4B95F-EFC9-4E06-B82B-CA39EADB1E80}" dt="2023-11-12T13:56:52.200" v="109" actId="478"/>
+          <ac:spMkLst>
+            <pc:docMk/>
+            <pc:sldMk cId="2533564369" sldId="2147478777"/>
+            <ac:spMk id="10" creationId="{39CC9337-9266-78F4-843D-654D72121705}"/>
+          </ac:spMkLst>
+        </pc:spChg>
+        <pc:spChg chg="mod ord">
+          <ac:chgData name="Nicolas Kirrmann" userId="82063de6-9c6f-4790-b8fa-98feff280277" providerId="ADAL" clId="{69C4B95F-EFC9-4E06-B82B-CA39EADB1E80}" dt="2023-11-12T14:00:42.876" v="517" actId="20577"/>
+          <ac:spMkLst>
+            <pc:docMk/>
+            <pc:sldMk cId="2533564369" sldId="2147478777"/>
+            <ac:spMk id="21" creationId="{C24DC710-8C01-7649-9DE1-DEAA99CA350D}"/>
+          </ac:spMkLst>
+        </pc:spChg>
+        <pc:picChg chg="add del mod">
+          <ac:chgData name="Nicolas Kirrmann" userId="82063de6-9c6f-4790-b8fa-98feff280277" providerId="ADAL" clId="{69C4B95F-EFC9-4E06-B82B-CA39EADB1E80}" dt="2023-11-12T13:57:51.216" v="237" actId="478"/>
+          <ac:picMkLst>
+            <pc:docMk/>
+            <pc:sldMk cId="2533564369" sldId="2147478777"/>
+            <ac:picMk id="11" creationId="{1999665E-FED5-4BD0-C3EB-7CA19988D2B5}"/>
+          </ac:picMkLst>
+        </pc:picChg>
+        <pc:picChg chg="add mod">
+          <ac:chgData name="Nicolas Kirrmann" userId="82063de6-9c6f-4790-b8fa-98feff280277" providerId="ADAL" clId="{69C4B95F-EFC9-4E06-B82B-CA39EADB1E80}" dt="2023-11-12T13:59:31.721" v="377" actId="14100"/>
+          <ac:picMkLst>
+            <pc:docMk/>
+            <pc:sldMk cId="2533564369" sldId="2147478777"/>
+            <ac:picMk id="18" creationId="{8513EB49-19D8-45C9-DBEA-D8E320B3317B}"/>
+          </ac:picMkLst>
+        </pc:picChg>
+        <pc:cxnChg chg="del">
+          <ac:chgData name="Nicolas Kirrmann" userId="82063de6-9c6f-4790-b8fa-98feff280277" providerId="ADAL" clId="{69C4B95F-EFC9-4E06-B82B-CA39EADB1E80}" dt="2023-11-12T13:56:48.159" v="108" actId="478"/>
+          <ac:cxnSpMkLst>
+            <pc:docMk/>
+            <pc:sldMk cId="2533564369" sldId="2147478777"/>
+            <ac:cxnSpMk id="13" creationId="{C9023D0F-5DE0-1097-4CE2-863BB4651AB0}"/>
+          </ac:cxnSpMkLst>
+        </pc:cxnChg>
+        <pc:cxnChg chg="del">
+          <ac:chgData name="Nicolas Kirrmann" userId="82063de6-9c6f-4790-b8fa-98feff280277" providerId="ADAL" clId="{69C4B95F-EFC9-4E06-B82B-CA39EADB1E80}" dt="2023-11-12T13:56:48.159" v="108" actId="478"/>
+          <ac:cxnSpMkLst>
+            <pc:docMk/>
+            <pc:sldMk cId="2533564369" sldId="2147478777"/>
+            <ac:cxnSpMk id="15" creationId="{C26A02EE-E1FC-17F0-A609-C1EB0C6933E0}"/>
+          </ac:cxnSpMkLst>
+        </pc:cxnChg>
+        <pc:cxnChg chg="del">
+          <ac:chgData name="Nicolas Kirrmann" userId="82063de6-9c6f-4790-b8fa-98feff280277" providerId="ADAL" clId="{69C4B95F-EFC9-4E06-B82B-CA39EADB1E80}" dt="2023-11-12T13:56:48.159" v="108" actId="478"/>
+          <ac:cxnSpMkLst>
+            <pc:docMk/>
+            <pc:sldMk cId="2533564369" sldId="2147478777"/>
+            <ac:cxnSpMk id="16" creationId="{04C05089-0007-5F60-ECF0-ADC6501D7EFA}"/>
+          </ac:cxnSpMkLst>
+        </pc:cxnChg>
+        <pc:cxnChg chg="del mod">
+          <ac:chgData name="Nicolas Kirrmann" userId="82063de6-9c6f-4790-b8fa-98feff280277" providerId="ADAL" clId="{69C4B95F-EFC9-4E06-B82B-CA39EADB1E80}" dt="2023-11-12T13:56:56.188" v="110" actId="478"/>
+          <ac:cxnSpMkLst>
+            <pc:docMk/>
+            <pc:sldMk cId="2533564369" sldId="2147478777"/>
+            <ac:cxnSpMk id="17" creationId="{94118FF9-CFA2-556B-C68C-CDFA393166FD}"/>
+          </ac:cxnSpMkLst>
+        </pc:cxnChg>
+        <pc:cxnChg chg="mod ord">
+          <ac:chgData name="Nicolas Kirrmann" userId="82063de6-9c6f-4790-b8fa-98feff280277" providerId="ADAL" clId="{69C4B95F-EFC9-4E06-B82B-CA39EADB1E80}" dt="2023-11-12T13:59:11.373" v="375" actId="1076"/>
+          <ac:cxnSpMkLst>
+            <pc:docMk/>
+            <pc:sldMk cId="2533564369" sldId="2147478777"/>
+            <ac:cxnSpMk id="22" creationId="{FEF09AD8-6123-3BF4-12A6-371DA59A20AD}"/>
+          </ac:cxnSpMkLst>
+        </pc:cxnChg>
       </pc:sldChg>
       <pc:sldChg chg="del">
         <pc:chgData name="Nicolas Kirrmann" userId="82063de6-9c6f-4790-b8fa-98feff280277" providerId="ADAL" clId="{69C4B95F-EFC9-4E06-B82B-CA39EADB1E80}" dt="2023-10-12T12:04:35.098" v="0" actId="2696"/>
@@ -3429,7 +3542,7 @@
           <a:p>
             <a:fld id="{75EDFE92-48B5-4321-930D-D4E4AEB6B910}" type="datetimeFigureOut">
               <a:rPr lang="en-GB" smtClean="0"/>
-              <a:t>19/10/2023</a:t>
+              <a:t>12/11/2023</a:t>
             </a:fld>
             <a:endParaRPr lang="en-GB"/>
           </a:p>
@@ -4164,7 +4277,94 @@
           <a:bodyPr/>
           <a:lstStyle/>
           <a:p>
-            <a:endParaRPr lang="en-US" dirty="0"/>
+            <a:r>
+              <a:rPr lang="en-US" dirty="0" err="1"/>
+              <a:t>Rendre</a:t>
+            </a:r>
+            <a:r>
+              <a:rPr lang="en-US" dirty="0"/>
+              <a:t> plus Claire la </a:t>
+            </a:r>
+            <a:r>
+              <a:rPr lang="en-US" dirty="0" err="1"/>
+              <a:t>cinématique</a:t>
+            </a:r>
+            <a:r>
+              <a:rPr lang="en-US" dirty="0"/>
+              <a:t> qui </a:t>
+            </a:r>
+            <a:r>
+              <a:rPr lang="en-US" dirty="0" err="1"/>
+              <a:t>permet</a:t>
+            </a:r>
+            <a:r>
+              <a:rPr lang="en-US" dirty="0"/>
+              <a:t> de </a:t>
+            </a:r>
+            <a:r>
+              <a:rPr lang="en-US" dirty="0" err="1"/>
+              <a:t>partir</a:t>
+            </a:r>
+            <a:r>
+              <a:rPr lang="en-US" dirty="0"/>
+              <a:t> de </a:t>
+            </a:r>
+            <a:r>
+              <a:rPr lang="en-US" dirty="0" err="1"/>
+              <a:t>plusieurs</a:t>
+            </a:r>
+            <a:r>
+              <a:rPr lang="en-US" dirty="0"/>
+              <a:t> users à un </a:t>
+            </a:r>
+            <a:r>
+              <a:rPr lang="en-US" dirty="0" err="1"/>
+              <a:t>seul</a:t>
+            </a:r>
+            <a:r>
+              <a:rPr lang="en-US" dirty="0"/>
+              <a:t> (</a:t>
+            </a:r>
+            <a:r>
+              <a:rPr lang="en-US" dirty="0" err="1"/>
+              <a:t>sinon</a:t>
+            </a:r>
+            <a:r>
+              <a:rPr lang="en-US" dirty="0"/>
+              <a:t> on </a:t>
+            </a:r>
+            <a:r>
+              <a:rPr lang="en-US" dirty="0" err="1"/>
+              <a:t>croit</a:t>
+            </a:r>
+            <a:r>
+              <a:rPr lang="en-US" dirty="0"/>
+              <a:t> que </a:t>
+            </a:r>
+            <a:r>
+              <a:rPr lang="en-US" dirty="0" err="1"/>
+              <a:t>totu</a:t>
+            </a:r>
+            <a:r>
+              <a:rPr lang="en-US" dirty="0"/>
+              <a:t> </a:t>
+            </a:r>
+            <a:r>
+              <a:rPr lang="en-US" dirty="0" err="1"/>
+              <a:t>concerne</a:t>
+            </a:r>
+            <a:r>
+              <a:rPr lang="en-US" dirty="0"/>
+              <a:t> Nicolas </a:t>
+            </a:r>
+            <a:r>
+              <a:rPr lang="en-US" dirty="0" err="1"/>
+              <a:t>ici</a:t>
+            </a:r>
+            <a:r>
+              <a:rPr lang="en-US" dirty="0"/>
+              <a:t>)</a:t>
+            </a:r>
           </a:p>
         </p:txBody>
       </p:sp>
@@ -4194,7 +4394,7 @@
     </p:spTree>
     <p:extLst>
       <p:ext uri="{BB962C8B-B14F-4D97-AF65-F5344CB8AC3E}">
-        <p14:creationId xmlns:p14="http://schemas.microsoft.com/office/powerpoint/2010/main" val="2478471499"/>
+        <p14:creationId xmlns:p14="http://schemas.microsoft.com/office/powerpoint/2010/main" val="3600148043"/>
       </p:ext>
     </p:extLst>
   </p:cSld>
@@ -4278,7 +4478,7 @@
     </p:spTree>
     <p:extLst>
       <p:ext uri="{BB962C8B-B14F-4D97-AF65-F5344CB8AC3E}">
-        <p14:creationId xmlns:p14="http://schemas.microsoft.com/office/powerpoint/2010/main" val="3614793838"/>
+        <p14:creationId xmlns:p14="http://schemas.microsoft.com/office/powerpoint/2010/main" val="2478471499"/>
       </p:ext>
     </p:extLst>
   </p:cSld>
@@ -4354,6 +4554,90 @@
             <a:fld id="{010B1B71-AA82-464B-A393-9479827C6D15}" type="slidenum">
               <a:rPr lang="en-US" smtClean="0"/>
               <a:t>7</a:t>
+            </a:fld>
+            <a:endParaRPr lang="en-US"/>
+          </a:p>
+        </p:txBody>
+      </p:sp>
+    </p:spTree>
+    <p:extLst>
+      <p:ext uri="{BB962C8B-B14F-4D97-AF65-F5344CB8AC3E}">
+        <p14:creationId xmlns:p14="http://schemas.microsoft.com/office/powerpoint/2010/main" val="3614793838"/>
+      </p:ext>
+    </p:extLst>
+  </p:cSld>
+  <p:clrMapOvr>
+    <a:masterClrMapping/>
+  </p:clrMapOvr>
+</p:notes>
+</file>
+
+<file path=ppt/notesSlides/notesSlide8.xml><?xml version="1.0" encoding="utf-8"?>
+<p:notes xmlns:a="http://schemas.openxmlformats.org/drawingml/2006/main" xmlns:r="http://schemas.openxmlformats.org/officeDocument/2006/relationships" xmlns:p="http://schemas.openxmlformats.org/presentationml/2006/main">
+  <p:cSld>
+    <p:spTree>
+      <p:nvGrpSpPr>
+        <p:cNvPr id="1" name=""/>
+        <p:cNvGrpSpPr/>
+        <p:nvPr/>
+      </p:nvGrpSpPr>
+      <p:grpSpPr>
+        <a:xfrm>
+          <a:off x="0" y="0"/>
+          <a:ext cx="0" cy="0"/>
+          <a:chOff x="0" y="0"/>
+          <a:chExt cx="0" cy="0"/>
+        </a:xfrm>
+      </p:grpSpPr>
+      <p:sp>
+        <p:nvSpPr>
+          <p:cNvPr id="2" name="Slide Image Placeholder 1"/>
+          <p:cNvSpPr>
+            <a:spLocks noGrp="1" noRot="1" noChangeAspect="1"/>
+          </p:cNvSpPr>
+          <p:nvPr>
+            <p:ph type="sldImg"/>
+          </p:nvPr>
+        </p:nvSpPr>
+        <p:spPr/>
+      </p:sp>
+      <p:sp>
+        <p:nvSpPr>
+          <p:cNvPr id="3" name="Notes Placeholder 2"/>
+          <p:cNvSpPr>
+            <a:spLocks noGrp="1"/>
+          </p:cNvSpPr>
+          <p:nvPr>
+            <p:ph type="body" idx="1"/>
+          </p:nvPr>
+        </p:nvSpPr>
+        <p:spPr/>
+        <p:txBody>
+          <a:bodyPr/>
+          <a:lstStyle/>
+          <a:p>
+            <a:endParaRPr lang="en-US" dirty="0"/>
+          </a:p>
+        </p:txBody>
+      </p:sp>
+      <p:sp>
+        <p:nvSpPr>
+          <p:cNvPr id="4" name="Slide Number Placeholder 3"/>
+          <p:cNvSpPr>
+            <a:spLocks noGrp="1"/>
+          </p:cNvSpPr>
+          <p:nvPr>
+            <p:ph type="sldNum" sz="quarter" idx="5"/>
+          </p:nvPr>
+        </p:nvSpPr>
+        <p:spPr/>
+        <p:txBody>
+          <a:bodyPr/>
+          <a:lstStyle/>
+          <a:p>
+            <a:fld id="{010B1B71-AA82-464B-A393-9479827C6D15}" type="slidenum">
+              <a:rPr lang="en-US" smtClean="0"/>
+              <a:t>8</a:t>
             </a:fld>
             <a:endParaRPr lang="en-US"/>
           </a:p>
@@ -4501,7 +4785,7 @@
           <a:p>
             <a:fld id="{E99DF397-30FC-4E38-9C16-8682FB34773D}" type="datetime1">
               <a:rPr lang="en-GB" smtClean="0"/>
-              <a:t>19/10/2023</a:t>
+              <a:t>12/11/2023</a:t>
             </a:fld>
             <a:endParaRPr lang="en-GB"/>
           </a:p>
@@ -4669,7 +4953,7 @@
           <a:p>
             <a:fld id="{4775BEEB-572D-4CEA-AA7D-A1A52BEF88E5}" type="datetime1">
               <a:rPr lang="en-GB" smtClean="0"/>
-              <a:t>19/10/2023</a:t>
+              <a:t>12/11/2023</a:t>
             </a:fld>
             <a:endParaRPr lang="en-GB"/>
           </a:p>
@@ -4847,7 +5131,7 @@
           <a:p>
             <a:fld id="{AD80C97A-A3BD-4951-8115-7851477C6286}" type="datetime1">
               <a:rPr lang="en-GB" smtClean="0"/>
-              <a:t>19/10/2023</a:t>
+              <a:t>12/11/2023</a:t>
             </a:fld>
             <a:endParaRPr lang="en-GB"/>
           </a:p>
@@ -5015,7 +5299,7 @@
           <a:p>
             <a:fld id="{E8D6B988-EB24-4F13-AA2F-DF6BABE54D73}" type="datetime1">
               <a:rPr lang="en-GB" smtClean="0"/>
-              <a:t>19/10/2023</a:t>
+              <a:t>12/11/2023</a:t>
             </a:fld>
             <a:endParaRPr lang="en-GB"/>
           </a:p>
@@ -5260,7 +5544,7 @@
           <a:p>
             <a:fld id="{4EB9F35B-8F38-4D9B-B2F6-0E2453AEACBA}" type="datetime1">
               <a:rPr lang="en-GB" smtClean="0"/>
-              <a:t>19/10/2023</a:t>
+              <a:t>12/11/2023</a:t>
             </a:fld>
             <a:endParaRPr lang="en-GB"/>
           </a:p>
@@ -5489,7 +5773,7 @@
           <a:p>
             <a:fld id="{6D66A7D8-AEFA-4832-8D4C-9B812E6298C1}" type="datetime1">
               <a:rPr lang="en-GB" smtClean="0"/>
-              <a:t>19/10/2023</a:t>
+              <a:t>12/11/2023</a:t>
             </a:fld>
             <a:endParaRPr lang="en-GB"/>
           </a:p>
@@ -5853,7 +6137,7 @@
           <a:p>
             <a:fld id="{C00B5C87-3B8E-47D3-B1FD-20AE58AEA901}" type="datetime1">
               <a:rPr lang="en-GB" smtClean="0"/>
-              <a:t>19/10/2023</a:t>
+              <a:t>12/11/2023</a:t>
             </a:fld>
             <a:endParaRPr lang="en-GB"/>
           </a:p>
@@ -5970,7 +6254,7 @@
           <a:p>
             <a:fld id="{EF958735-133D-4A9C-BC39-501D5B9AB523}" type="datetime1">
               <a:rPr lang="en-GB" smtClean="0"/>
-              <a:t>19/10/2023</a:t>
+              <a:t>12/11/2023</a:t>
             </a:fld>
             <a:endParaRPr lang="en-GB"/>
           </a:p>
@@ -6065,7 +6349,7 @@
           <a:p>
             <a:fld id="{35CF3542-0655-4F9A-A6D2-CF6F95B3FF16}" type="datetime1">
               <a:rPr lang="en-GB" smtClean="0"/>
-              <a:t>19/10/2023</a:t>
+              <a:t>12/11/2023</a:t>
             </a:fld>
             <a:endParaRPr lang="en-GB"/>
           </a:p>
@@ -6340,7 +6624,7 @@
           <a:p>
             <a:fld id="{C35A84DD-669C-45F9-88E5-0D5CC14F0E78}" type="datetime1">
               <a:rPr lang="en-GB" smtClean="0"/>
-              <a:t>19/10/2023</a:t>
+              <a:t>12/11/2023</a:t>
             </a:fld>
             <a:endParaRPr lang="en-GB"/>
           </a:p>
@@ -6595,7 +6879,7 @@
           <a:p>
             <a:fld id="{99672BCC-3E51-46D4-8C36-2AE7A75829B6}" type="datetime1">
               <a:rPr lang="en-GB" smtClean="0"/>
-              <a:t>19/10/2023</a:t>
+              <a:t>12/11/2023</a:t>
             </a:fld>
             <a:endParaRPr lang="en-GB"/>
           </a:p>
@@ -6806,7 +7090,7 @@
           <a:p>
             <a:fld id="{7C83D117-2477-4F0F-BA83-180A9B76E706}" type="datetime1">
               <a:rPr lang="en-GB" smtClean="0"/>
-              <a:t>19/10/2023</a:t>
+              <a:t>12/11/2023</a:t>
             </a:fld>
             <a:endParaRPr lang="en-GB"/>
           </a:p>
@@ -9382,6 +9666,386 @@
       </p:pic>
       <p:sp>
         <p:nvSpPr>
+          <p:cNvPr id="4" name="TextBox 3">
+            <a:extLst>
+              <a:ext uri="{FF2B5EF4-FFF2-40B4-BE49-F238E27FC236}">
+                <a16:creationId xmlns:a16="http://schemas.microsoft.com/office/drawing/2014/main" id="{32F3CA4D-7833-8638-09C5-2E349CC3F882}"/>
+              </a:ext>
+            </a:extLst>
+          </p:cNvPr>
+          <p:cNvSpPr txBox="1"/>
+          <p:nvPr/>
+        </p:nvSpPr>
+        <p:spPr>
+          <a:xfrm>
+            <a:off x="268939" y="358588"/>
+            <a:ext cx="8596091" cy="646331"/>
+          </a:xfrm>
+          <a:prstGeom prst="rect">
+            <a:avLst/>
+          </a:prstGeom>
+          <a:noFill/>
+        </p:spPr>
+        <p:txBody>
+          <a:bodyPr wrap="square" rtlCol="0">
+            <a:spAutoFit/>
+          </a:bodyPr>
+          <a:lstStyle/>
+          <a:p>
+            <a:r>
+              <a:rPr lang="en-GB" sz="3600" dirty="0"/>
+              <a:t>User Analysis</a:t>
+            </a:r>
+          </a:p>
+        </p:txBody>
+      </p:sp>
+      <p:sp>
+        <p:nvSpPr>
+          <p:cNvPr id="6" name="TextBox 5">
+            <a:extLst>
+              <a:ext uri="{FF2B5EF4-FFF2-40B4-BE49-F238E27FC236}">
+                <a16:creationId xmlns:a16="http://schemas.microsoft.com/office/drawing/2014/main" id="{D43C754F-1D40-FB4A-BE52-6DF78E30D4D0}"/>
+              </a:ext>
+            </a:extLst>
+          </p:cNvPr>
+          <p:cNvSpPr txBox="1"/>
+          <p:nvPr/>
+        </p:nvSpPr>
+        <p:spPr>
+          <a:xfrm>
+            <a:off x="268939" y="1512180"/>
+            <a:ext cx="1903598" cy="4415732"/>
+          </a:xfrm>
+          <a:prstGeom prst="rect">
+            <a:avLst/>
+          </a:prstGeom>
+          <a:solidFill>
+            <a:schemeClr val="bg1">
+              <a:lumMod val="85000"/>
+              <a:alpha val="50000"/>
+            </a:schemeClr>
+          </a:solidFill>
+        </p:spPr>
+        <p:txBody>
+          <a:bodyPr wrap="square" rtlCol="0" anchor="ctr">
+            <a:noAutofit/>
+          </a:bodyPr>
+          <a:lstStyle>
+            <a:defPPr>
+              <a:defRPr lang="en-GB"/>
+            </a:defPPr>
+            <a:lvl1pPr algn="ctr">
+              <a:defRPr/>
+            </a:lvl1pPr>
+          </a:lstStyle>
+          <a:p>
+            <a:r>
+              <a:rPr lang="en-GB" dirty="0"/>
+              <a:t>Understand </a:t>
+            </a:r>
+            <a:r>
+              <a:rPr lang="en-GB" b="1" dirty="0"/>
+              <a:t>who</a:t>
+            </a:r>
+            <a:r>
+              <a:rPr lang="en-GB" dirty="0"/>
+              <a:t> overconsumed, </a:t>
+            </a:r>
+          </a:p>
+          <a:p>
+            <a:r>
+              <a:rPr lang="en-GB" b="1" dirty="0"/>
+              <a:t>when</a:t>
+            </a:r>
+            <a:r>
+              <a:rPr lang="en-GB" dirty="0"/>
+              <a:t>, and </a:t>
+            </a:r>
+            <a:r>
+              <a:rPr lang="en-GB" b="1" dirty="0"/>
+              <a:t>why</a:t>
+            </a:r>
+            <a:r>
+              <a:rPr lang="en-GB" dirty="0"/>
+              <a:t>.</a:t>
+            </a:r>
+          </a:p>
+        </p:txBody>
+      </p:sp>
+      <p:pic>
+        <p:nvPicPr>
+          <p:cNvPr id="12" name="Picture 11">
+            <a:extLst>
+              <a:ext uri="{FF2B5EF4-FFF2-40B4-BE49-F238E27FC236}">
+                <a16:creationId xmlns:a16="http://schemas.microsoft.com/office/drawing/2014/main" id="{2F81ABE3-D5D9-9767-7EB2-EC460D45C78A}"/>
+              </a:ext>
+            </a:extLst>
+          </p:cNvPr>
+          <p:cNvPicPr>
+            <a:picLocks noChangeAspect="1"/>
+          </p:cNvPicPr>
+          <p:nvPr/>
+        </p:nvPicPr>
+        <p:blipFill>
+          <a:blip r:embed="rId4"/>
+          <a:stretch>
+            <a:fillRect/>
+          </a:stretch>
+        </p:blipFill>
+        <p:spPr>
+          <a:xfrm>
+            <a:off x="2458642" y="1512180"/>
+            <a:ext cx="7881693" cy="4415732"/>
+          </a:xfrm>
+          <a:prstGeom prst="rect">
+            <a:avLst/>
+          </a:prstGeom>
+        </p:spPr>
+      </p:pic>
+      <p:pic>
+        <p:nvPicPr>
+          <p:cNvPr id="2" name="Picture 1">
+            <a:extLst>
+              <a:ext uri="{FF2B5EF4-FFF2-40B4-BE49-F238E27FC236}">
+                <a16:creationId xmlns:a16="http://schemas.microsoft.com/office/drawing/2014/main" id="{5C94447A-2B96-4BEB-C88A-9415BD27B352}"/>
+              </a:ext>
+            </a:extLst>
+          </p:cNvPr>
+          <p:cNvPicPr>
+            <a:picLocks noChangeAspect="1"/>
+          </p:cNvPicPr>
+          <p:nvPr/>
+        </p:nvPicPr>
+        <p:blipFill>
+          <a:blip r:embed="rId5"/>
+          <a:stretch>
+            <a:fillRect/>
+          </a:stretch>
+        </p:blipFill>
+        <p:spPr>
+          <a:xfrm>
+            <a:off x="2458642" y="1515771"/>
+            <a:ext cx="7881692" cy="4439445"/>
+          </a:xfrm>
+          <a:prstGeom prst="rect">
+            <a:avLst/>
+          </a:prstGeom>
+        </p:spPr>
+      </p:pic>
+      <p:pic>
+        <p:nvPicPr>
+          <p:cNvPr id="18" name="Picture 17">
+            <a:extLst>
+              <a:ext uri="{FF2B5EF4-FFF2-40B4-BE49-F238E27FC236}">
+                <a16:creationId xmlns:a16="http://schemas.microsoft.com/office/drawing/2014/main" id="{8513EB49-19D8-45C9-DBEA-D8E320B3317B}"/>
+              </a:ext>
+            </a:extLst>
+          </p:cNvPr>
+          <p:cNvPicPr>
+            <a:picLocks noChangeAspect="1"/>
+          </p:cNvPicPr>
+          <p:nvPr/>
+        </p:nvPicPr>
+        <p:blipFill>
+          <a:blip r:embed="rId6"/>
+          <a:stretch>
+            <a:fillRect/>
+          </a:stretch>
+        </p:blipFill>
+        <p:spPr>
+          <a:xfrm>
+            <a:off x="4839705" y="2522082"/>
+            <a:ext cx="3629425" cy="2417607"/>
+          </a:xfrm>
+          <a:prstGeom prst="rect">
+            <a:avLst/>
+          </a:prstGeom>
+        </p:spPr>
+      </p:pic>
+      <p:sp>
+        <p:nvSpPr>
+          <p:cNvPr id="21" name="Rectangle: Rounded Corners 20">
+            <a:extLst>
+              <a:ext uri="{FF2B5EF4-FFF2-40B4-BE49-F238E27FC236}">
+                <a16:creationId xmlns:a16="http://schemas.microsoft.com/office/drawing/2014/main" id="{C24DC710-8C01-7649-9DE1-DEAA99CA350D}"/>
+              </a:ext>
+            </a:extLst>
+          </p:cNvPr>
+          <p:cNvSpPr/>
+          <p:nvPr/>
+        </p:nvSpPr>
+        <p:spPr>
+          <a:xfrm>
+            <a:off x="7432965" y="354973"/>
+            <a:ext cx="3561496" cy="1854081"/>
+          </a:xfrm>
+          <a:prstGeom prst="roundRect">
+            <a:avLst/>
+          </a:prstGeom>
+          <a:solidFill>
+            <a:schemeClr val="tx1"/>
+          </a:solidFill>
+          <a:ln>
+            <a:noFill/>
+          </a:ln>
+        </p:spPr>
+        <p:style>
+          <a:lnRef idx="2">
+            <a:schemeClr val="accent1">
+              <a:shade val="50000"/>
+            </a:schemeClr>
+          </a:lnRef>
+          <a:fillRef idx="1">
+            <a:schemeClr val="accent1"/>
+          </a:fillRef>
+          <a:effectRef idx="0">
+            <a:schemeClr val="accent1"/>
+          </a:effectRef>
+          <a:fontRef idx="minor">
+            <a:schemeClr val="lt1"/>
+          </a:fontRef>
+        </p:style>
+        <p:txBody>
+          <a:bodyPr rtlCol="0" anchor="ctr"/>
+          <a:lstStyle/>
+          <a:p>
+            <a:pPr algn="ctr"/>
+            <a:r>
+              <a:rPr lang="en-GB" sz="1400" dirty="0"/>
+              <a:t>Hoover to get a detailed view of the user’s consumption pattern over time, compared to his daily entitlement. </a:t>
+            </a:r>
+            <a:br>
+              <a:rPr lang="en-GB" sz="1400" dirty="0"/>
+            </a:br>
+            <a:r>
+              <a:rPr lang="en-GB" sz="1400" dirty="0"/>
+              <a:t>Split this consumption across the top 3 environments.</a:t>
+            </a:r>
+            <a:br>
+              <a:rPr lang="en-GB" sz="1400" dirty="0"/>
+            </a:br>
+            <a:r>
+              <a:rPr lang="en-GB" sz="1400" dirty="0"/>
+              <a:t>Here “</a:t>
+            </a:r>
+            <a:r>
+              <a:rPr lang="en-GB" sz="1400" dirty="0" err="1"/>
+              <a:t>Shared_Production</a:t>
+            </a:r>
+            <a:r>
+              <a:rPr lang="en-GB" sz="1400" dirty="0"/>
+              <a:t>” is clearly where consumption happens, and mainly from Power Automate Flows</a:t>
+            </a:r>
+            <a:endParaRPr lang="en-GB" sz="1050" dirty="0"/>
+          </a:p>
+        </p:txBody>
+      </p:sp>
+      <p:cxnSp>
+        <p:nvCxnSpPr>
+          <p:cNvPr id="22" name="Straight Connector 21">
+            <a:extLst>
+              <a:ext uri="{FF2B5EF4-FFF2-40B4-BE49-F238E27FC236}">
+                <a16:creationId xmlns:a16="http://schemas.microsoft.com/office/drawing/2014/main" id="{FEF09AD8-6123-3BF4-12A6-371DA59A20AD}"/>
+              </a:ext>
+            </a:extLst>
+          </p:cNvPr>
+          <p:cNvCxnSpPr>
+            <a:cxnSpLocks/>
+          </p:cNvCxnSpPr>
+          <p:nvPr/>
+        </p:nvCxnSpPr>
+        <p:spPr>
+          <a:xfrm flipV="1">
+            <a:off x="7180644" y="1881015"/>
+            <a:ext cx="591120" cy="656079"/>
+          </a:xfrm>
+          <a:prstGeom prst="line">
+            <a:avLst/>
+          </a:prstGeom>
+          <a:ln w="28575"/>
+        </p:spPr>
+        <p:style>
+          <a:lnRef idx="1">
+            <a:schemeClr val="dk1"/>
+          </a:lnRef>
+          <a:fillRef idx="0">
+            <a:schemeClr val="dk1"/>
+          </a:fillRef>
+          <a:effectRef idx="0">
+            <a:schemeClr val="dk1"/>
+          </a:effectRef>
+          <a:fontRef idx="minor">
+            <a:schemeClr val="tx1"/>
+          </a:fontRef>
+        </p:style>
+      </p:cxnSp>
+    </p:spTree>
+    <p:extLst>
+      <p:ext uri="{BB962C8B-B14F-4D97-AF65-F5344CB8AC3E}">
+        <p14:creationId xmlns:p14="http://schemas.microsoft.com/office/powerpoint/2010/main" val="2533564369"/>
+      </p:ext>
+    </p:extLst>
+  </p:cSld>
+  <p:clrMapOvr>
+    <a:masterClrMapping/>
+  </p:clrMapOvr>
+</p:sld>
+</file>
+
+<file path=ppt/slides/slide6.xml><?xml version="1.0" encoding="utf-8"?>
+<p:sld xmlns:a="http://schemas.openxmlformats.org/drawingml/2006/main" xmlns:r="http://schemas.openxmlformats.org/officeDocument/2006/relationships" xmlns:p="http://schemas.openxmlformats.org/presentationml/2006/main">
+  <p:cSld>
+    <p:spTree>
+      <p:nvGrpSpPr>
+        <p:cNvPr id="1" name=""/>
+        <p:cNvGrpSpPr/>
+        <p:nvPr/>
+      </p:nvGrpSpPr>
+      <p:grpSpPr>
+        <a:xfrm>
+          <a:off x="0" y="0"/>
+          <a:ext cx="0" cy="0"/>
+          <a:chOff x="0" y="0"/>
+          <a:chExt cx="0" cy="0"/>
+        </a:xfrm>
+      </p:grpSpPr>
+      <p:pic>
+        <p:nvPicPr>
+          <p:cNvPr id="3" name="Picture 2">
+            <a:extLst>
+              <a:ext uri="{FF2B5EF4-FFF2-40B4-BE49-F238E27FC236}">
+                <a16:creationId xmlns:a16="http://schemas.microsoft.com/office/drawing/2014/main" id="{331606F8-F943-27C9-1357-2140F407529D}"/>
+              </a:ext>
+            </a:extLst>
+          </p:cNvPr>
+          <p:cNvPicPr>
+            <a:picLocks noChangeAspect="1"/>
+          </p:cNvPicPr>
+          <p:nvPr/>
+        </p:nvPicPr>
+        <p:blipFill rotWithShape="1">
+          <a:blip r:embed="rId3">
+            <a:extLst>
+              <a:ext uri="{28A0092B-C50C-407E-A947-70E740481C1C}">
+                <a14:useLocalDpi xmlns:a14="http://schemas.microsoft.com/office/drawing/2010/main" val="0"/>
+              </a:ext>
+            </a:extLst>
+          </a:blip>
+          <a:srcRect r="32658" b="22893"/>
+          <a:stretch/>
+        </p:blipFill>
+        <p:spPr>
+          <a:xfrm>
+            <a:off x="3673215" y="-2896069"/>
+            <a:ext cx="8518786" cy="9754069"/>
+          </a:xfrm>
+          <a:prstGeom prst="rect">
+            <a:avLst/>
+          </a:prstGeom>
+        </p:spPr>
+      </p:pic>
+      <p:sp>
+        <p:nvSpPr>
           <p:cNvPr id="1046" name="Rectangle: Rounded Corners 1045">
             <a:extLst>
               <a:ext uri="{FF2B5EF4-FFF2-40B4-BE49-F238E27FC236}">
@@ -11234,7 +11898,7 @@
 </p:sld>
 </file>
 
-<file path=ppt/slides/slide6.xml><?xml version="1.0" encoding="utf-8"?>
+<file path=ppt/slides/slide7.xml><?xml version="1.0" encoding="utf-8"?>
 <p:sld xmlns:a="http://schemas.openxmlformats.org/drawingml/2006/main" xmlns:r="http://schemas.openxmlformats.org/officeDocument/2006/relationships" xmlns:p="http://schemas.openxmlformats.org/presentationml/2006/main" show="0">
   <p:cSld>
     <p:spTree>
@@ -12753,7 +13417,7 @@
 </p:sld>
 </file>
 
-<file path=ppt/slides/slide7.xml><?xml version="1.0" encoding="utf-8"?>
+<file path=ppt/slides/slide8.xml><?xml version="1.0" encoding="utf-8"?>
 <p:sld xmlns:a="http://schemas.openxmlformats.org/drawingml/2006/main" xmlns:r="http://schemas.openxmlformats.org/officeDocument/2006/relationships" xmlns:p="http://schemas.openxmlformats.org/presentationml/2006/main">
   <p:cSld>
     <p:spTree>
@@ -13659,11 +14323,6 @@
 </file>
 
 <file path=customXml/item1.xml><?xml version="1.0" encoding="utf-8"?>
-<?mso-contentType ?>
-<SharedContentType xmlns="Microsoft.SharePoint.Taxonomy.ContentTypeSync" SourceId="c52eb4dc-0ef3-4aa8-8e03-025dbf6c8637" ContentTypeId="0x0101" PreviousValue="false"/>
-</file>
-
-<file path=customXml/item2.xml><?xml version="1.0" encoding="utf-8"?>
 <ct:contentTypeSchema xmlns:ct="http://schemas.microsoft.com/office/2006/metadata/contentType" xmlns:ma="http://schemas.microsoft.com/office/2006/metadata/properties/metaAttributes" ct:_="" ma:_="" ma:contentTypeName="Document" ma:contentTypeID="0x010100A52D14E2B9B5D641B191E43597E49577" ma:contentTypeVersion="15" ma:contentTypeDescription="Create a new document." ma:contentTypeScope="" ma:versionID="abacb73d00ce236acd10fed4b5d72d27">
   <xsd:schema xmlns:xsd="http://www.w3.org/2001/XMLSchema" xmlns:xs="http://www.w3.org/2001/XMLSchema" xmlns:p="http://schemas.microsoft.com/office/2006/metadata/properties" xmlns:ns2="a696dfc3-936f-483b-978d-ef063a349173" xmlns:ns3="cfc89353-1ffb-4d8c-bf91-b5047b559090" targetNamespace="http://schemas.microsoft.com/office/2006/metadata/properties" ma:root="true" ma:fieldsID="6da689c8d5fea445fc06d3d0ae96e26e" ns2:_="" ns3:_="">
     <xsd:import namespace="a696dfc3-936f-483b-978d-ef063a349173"/>
@@ -13886,16 +14545,12 @@
 </ct:contentTypeSchema>
 </file>
 
-<file path=customXml/item3.xml><?xml version="1.0" encoding="utf-8"?>
+<file path=customXml/item2.xml><?xml version="1.0" encoding="utf-8"?>
 <?mso-contentType ?>
-<FormTemplates xmlns="http://schemas.microsoft.com/sharepoint/v3/contenttype/forms">
-  <Display>DocumentLibraryForm</Display>
-  <Edit>DocumentLibraryForm</Edit>
-  <New>DocumentLibraryForm</New>
-</FormTemplates>
+<SharedContentType xmlns="Microsoft.SharePoint.Taxonomy.ContentTypeSync" SourceId="c52eb4dc-0ef3-4aa8-8e03-025dbf6c8637" ContentTypeId="0x0101" PreviousValue="false"/>
 </file>
 
-<file path=customXml/item4.xml><?xml version="1.0" encoding="utf-8"?>
+<file path=customXml/item3.xml><?xml version="1.0" encoding="utf-8"?>
 <p:properties xmlns:p="http://schemas.microsoft.com/office/2006/metadata/properties" xmlns:xsi="http://www.w3.org/2001/XMLSchema-instance" xmlns:pc="http://schemas.microsoft.com/office/infopath/2007/PartnerControls">
   <documentManagement>
     <lcf76f155ced4ddcb4097134ff3c332f xmlns="a696dfc3-936f-483b-978d-ef063a349173">
@@ -13906,15 +14561,16 @@
 </p:properties>
 </file>
 
-<file path=customXml/itemProps1.xml><?xml version="1.0" encoding="utf-8"?>
-<ds:datastoreItem xmlns:ds="http://schemas.openxmlformats.org/officeDocument/2006/customXml" ds:itemID="{0A62DCFB-4A3A-408B-B09C-A9594B58278F}">
-  <ds:schemaRefs>
-    <ds:schemaRef ds:uri="Microsoft.SharePoint.Taxonomy.ContentTypeSync"/>
-  </ds:schemaRefs>
-</ds:datastoreItem>
+<file path=customXml/item4.xml><?xml version="1.0" encoding="utf-8"?>
+<?mso-contentType ?>
+<FormTemplates xmlns="http://schemas.microsoft.com/sharepoint/v3/contenttype/forms">
+  <Display>DocumentLibraryForm</Display>
+  <Edit>DocumentLibraryForm</Edit>
+  <New>DocumentLibraryForm</New>
+</FormTemplates>
 </file>
 
-<file path=customXml/itemProps2.xml><?xml version="1.0" encoding="utf-8"?>
+<file path=customXml/itemProps1.xml><?xml version="1.0" encoding="utf-8"?>
 <ds:datastoreItem xmlns:ds="http://schemas.openxmlformats.org/officeDocument/2006/customXml" ds:itemID="{DC7EA5D5-EC6C-4730-A716-E2CB0362BEA5}">
   <ds:schemaRefs>
     <ds:schemaRef ds:uri="a696dfc3-936f-483b-978d-ef063a349173"/>
@@ -13933,15 +14589,15 @@
 </ds:datastoreItem>
 </file>
 
-<file path=customXml/itemProps3.xml><?xml version="1.0" encoding="utf-8"?>
-<ds:datastoreItem xmlns:ds="http://schemas.openxmlformats.org/officeDocument/2006/customXml" ds:itemID="{E60E9F8E-754E-44A6-9EA6-237068D4443B}">
+<file path=customXml/itemProps2.xml><?xml version="1.0" encoding="utf-8"?>
+<ds:datastoreItem xmlns:ds="http://schemas.openxmlformats.org/officeDocument/2006/customXml" ds:itemID="{0A62DCFB-4A3A-408B-B09C-A9594B58278F}">
   <ds:schemaRefs>
-    <ds:schemaRef ds:uri="http://schemas.microsoft.com/sharepoint/v3/contenttype/forms"/>
+    <ds:schemaRef ds:uri="Microsoft.SharePoint.Taxonomy.ContentTypeSync"/>
   </ds:schemaRefs>
 </ds:datastoreItem>
 </file>
 
-<file path=customXml/itemProps4.xml><?xml version="1.0" encoding="utf-8"?>
+<file path=customXml/itemProps3.xml><?xml version="1.0" encoding="utf-8"?>
 <ds:datastoreItem xmlns:ds="http://schemas.openxmlformats.org/officeDocument/2006/customXml" ds:itemID="{C71BF1E7-9CF6-4C39-B837-3172DE2FFF00}">
   <ds:schemaRefs>
     <ds:schemaRef ds:uri="http://schemas.microsoft.com/office/2006/metadata/properties"/>
@@ -13958,6 +14614,14 @@
 </ds:datastoreItem>
 </file>
 
+<file path=customXml/itemProps4.xml><?xml version="1.0" encoding="utf-8"?>
+<ds:datastoreItem xmlns:ds="http://schemas.openxmlformats.org/officeDocument/2006/customXml" ds:itemID="{E60E9F8E-754E-44A6-9EA6-237068D4443B}">
+  <ds:schemaRefs>
+    <ds:schemaRef ds:uri="http://schemas.microsoft.com/sharepoint/v3/contenttype/forms"/>
+  </ds:schemaRefs>
+</ds:datastoreItem>
+</file>
+
 <file path=docMetadata/LabelInfo.xml><?xml version="1.0" encoding="utf-8"?>
 <clbl:labelList xmlns:clbl="http://schemas.microsoft.com/office/2020/mipLabelMetadata">
   <clbl:label id="{f42aa342-8706-4288-bd11-ebb85995028c}" enabled="1" method="Standard" siteId="{72f988bf-86f1-41af-91ab-2d7cd011db47}" removed="0"/>
